--- a/ppt 16-9/0585.以诗歌赞美神的名.pptx
+++ b/ppt 16-9/0585.以诗歌赞美神的名.pptx
@@ -129,7 +129,7 @@
           <p:cNvPr id="2" name="标题 1">
             <a:extLst>
               <a:ext uri="{FF2B5EF4-FFF2-40B4-BE49-F238E27FC236}">
-                <a16:creationId xmlns:a16="http://schemas.microsoft.com/office/drawing/2014/main" id="{4F2EE65D-B522-7057-AAFC-EE689D5489F7}"/>
+                <a16:creationId xmlns:a16="http://schemas.microsoft.com/office/drawing/2014/main" id="{77AC4FF9-BC6C-B776-1961-C8A11A2BF68A}"/>
               </a:ext>
             </a:extLst>
           </p:cNvPr>
@@ -166,7 +166,7 @@
           <p:cNvPr id="3" name="副标题 2">
             <a:extLst>
               <a:ext uri="{FF2B5EF4-FFF2-40B4-BE49-F238E27FC236}">
-                <a16:creationId xmlns:a16="http://schemas.microsoft.com/office/drawing/2014/main" id="{99D5E3FE-FF19-82D0-1969-C92A7870FCD1}"/>
+                <a16:creationId xmlns:a16="http://schemas.microsoft.com/office/drawing/2014/main" id="{813F4286-E8F1-B56F-2807-568066B4F764}"/>
               </a:ext>
             </a:extLst>
           </p:cNvPr>
@@ -236,7 +236,7 @@
           <p:cNvPr id="4" name="日期占位符 3">
             <a:extLst>
               <a:ext uri="{FF2B5EF4-FFF2-40B4-BE49-F238E27FC236}">
-                <a16:creationId xmlns:a16="http://schemas.microsoft.com/office/drawing/2014/main" id="{6DDB42CD-E4FF-1BA9-7F61-9D0E93460020}"/>
+                <a16:creationId xmlns:a16="http://schemas.microsoft.com/office/drawing/2014/main" id="{0DE3E25C-17C9-094F-0287-C006478DC4A4}"/>
               </a:ext>
             </a:extLst>
           </p:cNvPr>
@@ -252,7 +252,7 @@
           <a:bodyPr/>
           <a:lstStyle/>
           <a:p>
-            <a:fld id="{D9BEE671-34A8-483A-B482-764D4444C149}" type="datetimeFigureOut">
+            <a:fld id="{C3186CC1-FCCE-4437-944E-0A3F85AB801C}" type="datetimeFigureOut">
               <a:rPr lang="zh-CN" altLang="en-US" smtClean="0"/>
               <a:t>2024/3/10</a:t>
             </a:fld>
@@ -265,7 +265,7 @@
           <p:cNvPr id="5" name="页脚占位符 4">
             <a:extLst>
               <a:ext uri="{FF2B5EF4-FFF2-40B4-BE49-F238E27FC236}">
-                <a16:creationId xmlns:a16="http://schemas.microsoft.com/office/drawing/2014/main" id="{45383B35-BAE1-05C4-B610-E4C0011D1A59}"/>
+                <a16:creationId xmlns:a16="http://schemas.microsoft.com/office/drawing/2014/main" id="{5FEEDFEB-67FE-EDB7-62B0-B19ABEF73C06}"/>
               </a:ext>
             </a:extLst>
           </p:cNvPr>
@@ -290,7 +290,7 @@
           <p:cNvPr id="6" name="灯片编号占位符 5">
             <a:extLst>
               <a:ext uri="{FF2B5EF4-FFF2-40B4-BE49-F238E27FC236}">
-                <a16:creationId xmlns:a16="http://schemas.microsoft.com/office/drawing/2014/main" id="{9CD7D546-9273-C7A1-7E8D-90997D387660}"/>
+                <a16:creationId xmlns:a16="http://schemas.microsoft.com/office/drawing/2014/main" id="{B4AF4A6B-A62E-54A2-6391-3B61D89A9DD0}"/>
               </a:ext>
             </a:extLst>
           </p:cNvPr>
@@ -306,7 +306,7 @@
           <a:bodyPr/>
           <a:lstStyle/>
           <a:p>
-            <a:fld id="{BA9D7CA9-301E-4929-8DB6-411CA3608727}" type="slidenum">
+            <a:fld id="{5985949B-862A-459D-838B-BA32AF73C1DA}" type="slidenum">
               <a:rPr lang="zh-CN" altLang="en-US" smtClean="0"/>
               <a:t>‹#›</a:t>
             </a:fld>
@@ -317,7 +317,7 @@
     </p:spTree>
     <p:extLst>
       <p:ext uri="{BB962C8B-B14F-4D97-AF65-F5344CB8AC3E}">
-        <p14:creationId xmlns:p14="http://schemas.microsoft.com/office/powerpoint/2010/main" val="1791185999"/>
+        <p14:creationId xmlns:p14="http://schemas.microsoft.com/office/powerpoint/2010/main" val="859565"/>
       </p:ext>
     </p:extLst>
   </p:cSld>
@@ -349,7 +349,7 @@
           <p:cNvPr id="2" name="标题 1">
             <a:extLst>
               <a:ext uri="{FF2B5EF4-FFF2-40B4-BE49-F238E27FC236}">
-                <a16:creationId xmlns:a16="http://schemas.microsoft.com/office/drawing/2014/main" id="{31B0AFA7-46A3-11F2-8263-9BD63804BD1A}"/>
+                <a16:creationId xmlns:a16="http://schemas.microsoft.com/office/drawing/2014/main" id="{5A3C3D75-5363-266D-DA89-223FA9A74613}"/>
               </a:ext>
             </a:extLst>
           </p:cNvPr>
@@ -377,7 +377,7 @@
           <p:cNvPr id="3" name="竖排文字占位符 2">
             <a:extLst>
               <a:ext uri="{FF2B5EF4-FFF2-40B4-BE49-F238E27FC236}">
-                <a16:creationId xmlns:a16="http://schemas.microsoft.com/office/drawing/2014/main" id="{0DF45FBE-F90F-18D0-4DE7-AB91255EC56B}"/>
+                <a16:creationId xmlns:a16="http://schemas.microsoft.com/office/drawing/2014/main" id="{B6738536-0F60-78C6-1F5D-5B3E5B7E0384}"/>
               </a:ext>
             </a:extLst>
           </p:cNvPr>
@@ -434,7 +434,7 @@
           <p:cNvPr id="4" name="日期占位符 3">
             <a:extLst>
               <a:ext uri="{FF2B5EF4-FFF2-40B4-BE49-F238E27FC236}">
-                <a16:creationId xmlns:a16="http://schemas.microsoft.com/office/drawing/2014/main" id="{148B20C5-592E-06EB-1560-925E660F821C}"/>
+                <a16:creationId xmlns:a16="http://schemas.microsoft.com/office/drawing/2014/main" id="{C0E2C6D4-1490-8A58-0202-A5D62267A862}"/>
               </a:ext>
             </a:extLst>
           </p:cNvPr>
@@ -450,7 +450,7 @@
           <a:bodyPr/>
           <a:lstStyle/>
           <a:p>
-            <a:fld id="{D9BEE671-34A8-483A-B482-764D4444C149}" type="datetimeFigureOut">
+            <a:fld id="{C3186CC1-FCCE-4437-944E-0A3F85AB801C}" type="datetimeFigureOut">
               <a:rPr lang="zh-CN" altLang="en-US" smtClean="0"/>
               <a:t>2024/3/10</a:t>
             </a:fld>
@@ -463,7 +463,7 @@
           <p:cNvPr id="5" name="页脚占位符 4">
             <a:extLst>
               <a:ext uri="{FF2B5EF4-FFF2-40B4-BE49-F238E27FC236}">
-                <a16:creationId xmlns:a16="http://schemas.microsoft.com/office/drawing/2014/main" id="{5889CD6B-8723-4DAA-61D4-0C92E5604833}"/>
+                <a16:creationId xmlns:a16="http://schemas.microsoft.com/office/drawing/2014/main" id="{46D01DBA-8FCA-2D70-BE2F-2A235C135A7B}"/>
               </a:ext>
             </a:extLst>
           </p:cNvPr>
@@ -488,7 +488,7 @@
           <p:cNvPr id="6" name="灯片编号占位符 5">
             <a:extLst>
               <a:ext uri="{FF2B5EF4-FFF2-40B4-BE49-F238E27FC236}">
-                <a16:creationId xmlns:a16="http://schemas.microsoft.com/office/drawing/2014/main" id="{DBF68280-4A8B-C35C-CED8-B0DD831EE17B}"/>
+                <a16:creationId xmlns:a16="http://schemas.microsoft.com/office/drawing/2014/main" id="{81F064AE-4EEA-1B31-C20B-17AAD4C88643}"/>
               </a:ext>
             </a:extLst>
           </p:cNvPr>
@@ -504,7 +504,7 @@
           <a:bodyPr/>
           <a:lstStyle/>
           <a:p>
-            <a:fld id="{BA9D7CA9-301E-4929-8DB6-411CA3608727}" type="slidenum">
+            <a:fld id="{5985949B-862A-459D-838B-BA32AF73C1DA}" type="slidenum">
               <a:rPr lang="zh-CN" altLang="en-US" smtClean="0"/>
               <a:t>‹#›</a:t>
             </a:fld>
@@ -515,7 +515,7 @@
     </p:spTree>
     <p:extLst>
       <p:ext uri="{BB962C8B-B14F-4D97-AF65-F5344CB8AC3E}">
-        <p14:creationId xmlns:p14="http://schemas.microsoft.com/office/powerpoint/2010/main" val="1520592436"/>
+        <p14:creationId xmlns:p14="http://schemas.microsoft.com/office/powerpoint/2010/main" val="4287446693"/>
       </p:ext>
     </p:extLst>
   </p:cSld>
@@ -547,7 +547,7 @@
           <p:cNvPr id="2" name="竖排标题 1">
             <a:extLst>
               <a:ext uri="{FF2B5EF4-FFF2-40B4-BE49-F238E27FC236}">
-                <a16:creationId xmlns:a16="http://schemas.microsoft.com/office/drawing/2014/main" id="{D0F1361E-C826-EB3D-C443-BA3C52A074D0}"/>
+                <a16:creationId xmlns:a16="http://schemas.microsoft.com/office/drawing/2014/main" id="{62C5D721-924B-21E6-52EE-2B3804DFBAD8}"/>
               </a:ext>
             </a:extLst>
           </p:cNvPr>
@@ -580,7 +580,7 @@
           <p:cNvPr id="3" name="竖排文字占位符 2">
             <a:extLst>
               <a:ext uri="{FF2B5EF4-FFF2-40B4-BE49-F238E27FC236}">
-                <a16:creationId xmlns:a16="http://schemas.microsoft.com/office/drawing/2014/main" id="{02473E5B-2D68-A38E-E6F6-46B20E4CEFB6}"/>
+                <a16:creationId xmlns:a16="http://schemas.microsoft.com/office/drawing/2014/main" id="{10508E08-6282-7442-8EE4-52DFEA2E5129}"/>
               </a:ext>
             </a:extLst>
           </p:cNvPr>
@@ -642,7 +642,7 @@
           <p:cNvPr id="4" name="日期占位符 3">
             <a:extLst>
               <a:ext uri="{FF2B5EF4-FFF2-40B4-BE49-F238E27FC236}">
-                <a16:creationId xmlns:a16="http://schemas.microsoft.com/office/drawing/2014/main" id="{42AFF81D-17BA-F3CD-4B0B-6F8A149AFD0A}"/>
+                <a16:creationId xmlns:a16="http://schemas.microsoft.com/office/drawing/2014/main" id="{FE3CF9BC-5A6B-D579-89B8-AC1247BC4918}"/>
               </a:ext>
             </a:extLst>
           </p:cNvPr>
@@ -658,7 +658,7 @@
           <a:bodyPr/>
           <a:lstStyle/>
           <a:p>
-            <a:fld id="{D9BEE671-34A8-483A-B482-764D4444C149}" type="datetimeFigureOut">
+            <a:fld id="{C3186CC1-FCCE-4437-944E-0A3F85AB801C}" type="datetimeFigureOut">
               <a:rPr lang="zh-CN" altLang="en-US" smtClean="0"/>
               <a:t>2024/3/10</a:t>
             </a:fld>
@@ -671,7 +671,7 @@
           <p:cNvPr id="5" name="页脚占位符 4">
             <a:extLst>
               <a:ext uri="{FF2B5EF4-FFF2-40B4-BE49-F238E27FC236}">
-                <a16:creationId xmlns:a16="http://schemas.microsoft.com/office/drawing/2014/main" id="{DAB07585-3138-6B94-2FD5-45BA46A1BC76}"/>
+                <a16:creationId xmlns:a16="http://schemas.microsoft.com/office/drawing/2014/main" id="{C3128912-5B05-5E6A-D8A7-0D7A95BC36B2}"/>
               </a:ext>
             </a:extLst>
           </p:cNvPr>
@@ -696,7 +696,7 @@
           <p:cNvPr id="6" name="灯片编号占位符 5">
             <a:extLst>
               <a:ext uri="{FF2B5EF4-FFF2-40B4-BE49-F238E27FC236}">
-                <a16:creationId xmlns:a16="http://schemas.microsoft.com/office/drawing/2014/main" id="{41E1420C-DF87-2BFF-85E0-51ED905806F0}"/>
+                <a16:creationId xmlns:a16="http://schemas.microsoft.com/office/drawing/2014/main" id="{9BD4EACE-227A-C610-ECC6-2B648DF8510F}"/>
               </a:ext>
             </a:extLst>
           </p:cNvPr>
@@ -712,7 +712,7 @@
           <a:bodyPr/>
           <a:lstStyle/>
           <a:p>
-            <a:fld id="{BA9D7CA9-301E-4929-8DB6-411CA3608727}" type="slidenum">
+            <a:fld id="{5985949B-862A-459D-838B-BA32AF73C1DA}" type="slidenum">
               <a:rPr lang="zh-CN" altLang="en-US" smtClean="0"/>
               <a:t>‹#›</a:t>
             </a:fld>
@@ -723,7 +723,7 @@
     </p:spTree>
     <p:extLst>
       <p:ext uri="{BB962C8B-B14F-4D97-AF65-F5344CB8AC3E}">
-        <p14:creationId xmlns:p14="http://schemas.microsoft.com/office/powerpoint/2010/main" val="3580788610"/>
+        <p14:creationId xmlns:p14="http://schemas.microsoft.com/office/powerpoint/2010/main" val="1768337868"/>
       </p:ext>
     </p:extLst>
   </p:cSld>
@@ -755,7 +755,7 @@
           <p:cNvPr id="2" name="标题 1">
             <a:extLst>
               <a:ext uri="{FF2B5EF4-FFF2-40B4-BE49-F238E27FC236}">
-                <a16:creationId xmlns:a16="http://schemas.microsoft.com/office/drawing/2014/main" id="{E540646C-A07F-D29C-6A30-389D91076F75}"/>
+                <a16:creationId xmlns:a16="http://schemas.microsoft.com/office/drawing/2014/main" id="{58ED6E15-8383-8D59-FFFD-1E994EF99AE0}"/>
               </a:ext>
             </a:extLst>
           </p:cNvPr>
@@ -783,7 +783,7 @@
           <p:cNvPr id="3" name="内容占位符 2">
             <a:extLst>
               <a:ext uri="{FF2B5EF4-FFF2-40B4-BE49-F238E27FC236}">
-                <a16:creationId xmlns:a16="http://schemas.microsoft.com/office/drawing/2014/main" id="{B97CA28F-03B9-7ACC-C35B-54C083D66E9B}"/>
+                <a16:creationId xmlns:a16="http://schemas.microsoft.com/office/drawing/2014/main" id="{C4743A88-ABE7-002D-B721-8FF191F2457E}"/>
               </a:ext>
             </a:extLst>
           </p:cNvPr>
@@ -840,7 +840,7 @@
           <p:cNvPr id="4" name="日期占位符 3">
             <a:extLst>
               <a:ext uri="{FF2B5EF4-FFF2-40B4-BE49-F238E27FC236}">
-                <a16:creationId xmlns:a16="http://schemas.microsoft.com/office/drawing/2014/main" id="{499D2538-4FB7-D190-D303-0260C832F91E}"/>
+                <a16:creationId xmlns:a16="http://schemas.microsoft.com/office/drawing/2014/main" id="{838F1A57-9985-E54A-76DA-EAB5C686017D}"/>
               </a:ext>
             </a:extLst>
           </p:cNvPr>
@@ -856,7 +856,7 @@
           <a:bodyPr/>
           <a:lstStyle/>
           <a:p>
-            <a:fld id="{D9BEE671-34A8-483A-B482-764D4444C149}" type="datetimeFigureOut">
+            <a:fld id="{C3186CC1-FCCE-4437-944E-0A3F85AB801C}" type="datetimeFigureOut">
               <a:rPr lang="zh-CN" altLang="en-US" smtClean="0"/>
               <a:t>2024/3/10</a:t>
             </a:fld>
@@ -869,7 +869,7 @@
           <p:cNvPr id="5" name="页脚占位符 4">
             <a:extLst>
               <a:ext uri="{FF2B5EF4-FFF2-40B4-BE49-F238E27FC236}">
-                <a16:creationId xmlns:a16="http://schemas.microsoft.com/office/drawing/2014/main" id="{E51BC909-6B0A-FBEA-4B45-9C4FC88C35E1}"/>
+                <a16:creationId xmlns:a16="http://schemas.microsoft.com/office/drawing/2014/main" id="{FA8DC52E-5860-D8E4-2F1D-FAB35E1BABD4}"/>
               </a:ext>
             </a:extLst>
           </p:cNvPr>
@@ -894,7 +894,7 @@
           <p:cNvPr id="6" name="灯片编号占位符 5">
             <a:extLst>
               <a:ext uri="{FF2B5EF4-FFF2-40B4-BE49-F238E27FC236}">
-                <a16:creationId xmlns:a16="http://schemas.microsoft.com/office/drawing/2014/main" id="{513DEE79-7FD7-B90A-F2A4-0F5C5C1C8A4D}"/>
+                <a16:creationId xmlns:a16="http://schemas.microsoft.com/office/drawing/2014/main" id="{B461EE8E-98C7-801A-4DDB-A6289C9FE66E}"/>
               </a:ext>
             </a:extLst>
           </p:cNvPr>
@@ -910,7 +910,7 @@
           <a:bodyPr/>
           <a:lstStyle/>
           <a:p>
-            <a:fld id="{BA9D7CA9-301E-4929-8DB6-411CA3608727}" type="slidenum">
+            <a:fld id="{5985949B-862A-459D-838B-BA32AF73C1DA}" type="slidenum">
               <a:rPr lang="zh-CN" altLang="en-US" smtClean="0"/>
               <a:t>‹#›</a:t>
             </a:fld>
@@ -921,7 +921,7 @@
     </p:spTree>
     <p:extLst>
       <p:ext uri="{BB962C8B-B14F-4D97-AF65-F5344CB8AC3E}">
-        <p14:creationId xmlns:p14="http://schemas.microsoft.com/office/powerpoint/2010/main" val="644736248"/>
+        <p14:creationId xmlns:p14="http://schemas.microsoft.com/office/powerpoint/2010/main" val="744349754"/>
       </p:ext>
     </p:extLst>
   </p:cSld>
@@ -953,7 +953,7 @@
           <p:cNvPr id="2" name="标题 1">
             <a:extLst>
               <a:ext uri="{FF2B5EF4-FFF2-40B4-BE49-F238E27FC236}">
-                <a16:creationId xmlns:a16="http://schemas.microsoft.com/office/drawing/2014/main" id="{D7B0C17F-259C-442E-C2A5-EBC3A47067DD}"/>
+                <a16:creationId xmlns:a16="http://schemas.microsoft.com/office/drawing/2014/main" id="{2E2D48B2-8F09-4441-3EC0-778C41C4CBC0}"/>
               </a:ext>
             </a:extLst>
           </p:cNvPr>
@@ -990,7 +990,7 @@
           <p:cNvPr id="3" name="文本占位符 2">
             <a:extLst>
               <a:ext uri="{FF2B5EF4-FFF2-40B4-BE49-F238E27FC236}">
-                <a16:creationId xmlns:a16="http://schemas.microsoft.com/office/drawing/2014/main" id="{CC18418B-E7E1-C58D-2327-4C0F95F6781C}"/>
+                <a16:creationId xmlns:a16="http://schemas.microsoft.com/office/drawing/2014/main" id="{85BBA2DA-DEAF-6EF7-1842-F04E27F5F399}"/>
               </a:ext>
             </a:extLst>
           </p:cNvPr>
@@ -1115,7 +1115,7 @@
           <p:cNvPr id="4" name="日期占位符 3">
             <a:extLst>
               <a:ext uri="{FF2B5EF4-FFF2-40B4-BE49-F238E27FC236}">
-                <a16:creationId xmlns:a16="http://schemas.microsoft.com/office/drawing/2014/main" id="{A4DA440E-366D-1A9A-1810-2321D092BB82}"/>
+                <a16:creationId xmlns:a16="http://schemas.microsoft.com/office/drawing/2014/main" id="{3D4695ED-7B67-9C53-B444-C7CA132FE801}"/>
               </a:ext>
             </a:extLst>
           </p:cNvPr>
@@ -1131,7 +1131,7 @@
           <a:bodyPr/>
           <a:lstStyle/>
           <a:p>
-            <a:fld id="{D9BEE671-34A8-483A-B482-764D4444C149}" type="datetimeFigureOut">
+            <a:fld id="{C3186CC1-FCCE-4437-944E-0A3F85AB801C}" type="datetimeFigureOut">
               <a:rPr lang="zh-CN" altLang="en-US" smtClean="0"/>
               <a:t>2024/3/10</a:t>
             </a:fld>
@@ -1144,7 +1144,7 @@
           <p:cNvPr id="5" name="页脚占位符 4">
             <a:extLst>
               <a:ext uri="{FF2B5EF4-FFF2-40B4-BE49-F238E27FC236}">
-                <a16:creationId xmlns:a16="http://schemas.microsoft.com/office/drawing/2014/main" id="{2381A3D9-A024-CCAF-C8AC-41E9D629F3D0}"/>
+                <a16:creationId xmlns:a16="http://schemas.microsoft.com/office/drawing/2014/main" id="{511B2C7C-A8C7-4B2D-FA1B-869A440016D8}"/>
               </a:ext>
             </a:extLst>
           </p:cNvPr>
@@ -1169,7 +1169,7 @@
           <p:cNvPr id="6" name="灯片编号占位符 5">
             <a:extLst>
               <a:ext uri="{FF2B5EF4-FFF2-40B4-BE49-F238E27FC236}">
-                <a16:creationId xmlns:a16="http://schemas.microsoft.com/office/drawing/2014/main" id="{B999053C-122F-AB26-B3A0-DFCE760E6E00}"/>
+                <a16:creationId xmlns:a16="http://schemas.microsoft.com/office/drawing/2014/main" id="{6F395D94-D12D-3149-AF61-54EB6412AE38}"/>
               </a:ext>
             </a:extLst>
           </p:cNvPr>
@@ -1185,7 +1185,7 @@
           <a:bodyPr/>
           <a:lstStyle/>
           <a:p>
-            <a:fld id="{BA9D7CA9-301E-4929-8DB6-411CA3608727}" type="slidenum">
+            <a:fld id="{5985949B-862A-459D-838B-BA32AF73C1DA}" type="slidenum">
               <a:rPr lang="zh-CN" altLang="en-US" smtClean="0"/>
               <a:t>‹#›</a:t>
             </a:fld>
@@ -1196,7 +1196,7 @@
     </p:spTree>
     <p:extLst>
       <p:ext uri="{BB962C8B-B14F-4D97-AF65-F5344CB8AC3E}">
-        <p14:creationId xmlns:p14="http://schemas.microsoft.com/office/powerpoint/2010/main" val="3930495850"/>
+        <p14:creationId xmlns:p14="http://schemas.microsoft.com/office/powerpoint/2010/main" val="2781898562"/>
       </p:ext>
     </p:extLst>
   </p:cSld>
@@ -1228,7 +1228,7 @@
           <p:cNvPr id="2" name="标题 1">
             <a:extLst>
               <a:ext uri="{FF2B5EF4-FFF2-40B4-BE49-F238E27FC236}">
-                <a16:creationId xmlns:a16="http://schemas.microsoft.com/office/drawing/2014/main" id="{D18ADBCB-5803-C821-567E-1E8E320FF957}"/>
+                <a16:creationId xmlns:a16="http://schemas.microsoft.com/office/drawing/2014/main" id="{C43570EE-31BE-0C3B-E818-9D96B49A28B8}"/>
               </a:ext>
             </a:extLst>
           </p:cNvPr>
@@ -1256,7 +1256,7 @@
           <p:cNvPr id="3" name="内容占位符 2">
             <a:extLst>
               <a:ext uri="{FF2B5EF4-FFF2-40B4-BE49-F238E27FC236}">
-                <a16:creationId xmlns:a16="http://schemas.microsoft.com/office/drawing/2014/main" id="{0C82D697-C3E7-0CDC-458B-AB0D4B725C44}"/>
+                <a16:creationId xmlns:a16="http://schemas.microsoft.com/office/drawing/2014/main" id="{C1AF6F81-3547-159B-7159-04C993995F84}"/>
               </a:ext>
             </a:extLst>
           </p:cNvPr>
@@ -1318,7 +1318,7 @@
           <p:cNvPr id="4" name="内容占位符 3">
             <a:extLst>
               <a:ext uri="{FF2B5EF4-FFF2-40B4-BE49-F238E27FC236}">
-                <a16:creationId xmlns:a16="http://schemas.microsoft.com/office/drawing/2014/main" id="{C749B786-656A-1419-C104-1C8A0D86FD6E}"/>
+                <a16:creationId xmlns:a16="http://schemas.microsoft.com/office/drawing/2014/main" id="{1F33C1BE-96B5-2ACF-272C-21AC82BF1625}"/>
               </a:ext>
             </a:extLst>
           </p:cNvPr>
@@ -1380,7 +1380,7 @@
           <p:cNvPr id="5" name="日期占位符 4">
             <a:extLst>
               <a:ext uri="{FF2B5EF4-FFF2-40B4-BE49-F238E27FC236}">
-                <a16:creationId xmlns:a16="http://schemas.microsoft.com/office/drawing/2014/main" id="{48FC2D46-1A66-92CB-6D24-30B807A45478}"/>
+                <a16:creationId xmlns:a16="http://schemas.microsoft.com/office/drawing/2014/main" id="{09E02BB5-AF11-E40A-5AC0-358E7677602D}"/>
               </a:ext>
             </a:extLst>
           </p:cNvPr>
@@ -1396,7 +1396,7 @@
           <a:bodyPr/>
           <a:lstStyle/>
           <a:p>
-            <a:fld id="{D9BEE671-34A8-483A-B482-764D4444C149}" type="datetimeFigureOut">
+            <a:fld id="{C3186CC1-FCCE-4437-944E-0A3F85AB801C}" type="datetimeFigureOut">
               <a:rPr lang="zh-CN" altLang="en-US" smtClean="0"/>
               <a:t>2024/3/10</a:t>
             </a:fld>
@@ -1409,7 +1409,7 @@
           <p:cNvPr id="6" name="页脚占位符 5">
             <a:extLst>
               <a:ext uri="{FF2B5EF4-FFF2-40B4-BE49-F238E27FC236}">
-                <a16:creationId xmlns:a16="http://schemas.microsoft.com/office/drawing/2014/main" id="{0D265533-1136-B28A-C5E1-2CFA488575A5}"/>
+                <a16:creationId xmlns:a16="http://schemas.microsoft.com/office/drawing/2014/main" id="{B52D8A16-5186-A328-1D75-9678376E67B2}"/>
               </a:ext>
             </a:extLst>
           </p:cNvPr>
@@ -1434,7 +1434,7 @@
           <p:cNvPr id="7" name="灯片编号占位符 6">
             <a:extLst>
               <a:ext uri="{FF2B5EF4-FFF2-40B4-BE49-F238E27FC236}">
-                <a16:creationId xmlns:a16="http://schemas.microsoft.com/office/drawing/2014/main" id="{1A58CD49-AC2F-EFBE-792A-D30D3870D15C}"/>
+                <a16:creationId xmlns:a16="http://schemas.microsoft.com/office/drawing/2014/main" id="{CD8FAC95-48DA-175A-0C6E-ADB52A916396}"/>
               </a:ext>
             </a:extLst>
           </p:cNvPr>
@@ -1450,7 +1450,7 @@
           <a:bodyPr/>
           <a:lstStyle/>
           <a:p>
-            <a:fld id="{BA9D7CA9-301E-4929-8DB6-411CA3608727}" type="slidenum">
+            <a:fld id="{5985949B-862A-459D-838B-BA32AF73C1DA}" type="slidenum">
               <a:rPr lang="zh-CN" altLang="en-US" smtClean="0"/>
               <a:t>‹#›</a:t>
             </a:fld>
@@ -1461,7 +1461,7 @@
     </p:spTree>
     <p:extLst>
       <p:ext uri="{BB962C8B-B14F-4D97-AF65-F5344CB8AC3E}">
-        <p14:creationId xmlns:p14="http://schemas.microsoft.com/office/powerpoint/2010/main" val="3157066700"/>
+        <p14:creationId xmlns:p14="http://schemas.microsoft.com/office/powerpoint/2010/main" val="733842996"/>
       </p:ext>
     </p:extLst>
   </p:cSld>
@@ -1493,7 +1493,7 @@
           <p:cNvPr id="2" name="标题 1">
             <a:extLst>
               <a:ext uri="{FF2B5EF4-FFF2-40B4-BE49-F238E27FC236}">
-                <a16:creationId xmlns:a16="http://schemas.microsoft.com/office/drawing/2014/main" id="{06E4E380-E9C1-3B56-55AE-392554D8E118}"/>
+                <a16:creationId xmlns:a16="http://schemas.microsoft.com/office/drawing/2014/main" id="{5615E93C-46F4-E581-11BE-3B4BB0B8861C}"/>
               </a:ext>
             </a:extLst>
           </p:cNvPr>
@@ -1526,7 +1526,7 @@
           <p:cNvPr id="3" name="文本占位符 2">
             <a:extLst>
               <a:ext uri="{FF2B5EF4-FFF2-40B4-BE49-F238E27FC236}">
-                <a16:creationId xmlns:a16="http://schemas.microsoft.com/office/drawing/2014/main" id="{B7B707BC-30A1-D5BA-F583-2A2FD2241D75}"/>
+                <a16:creationId xmlns:a16="http://schemas.microsoft.com/office/drawing/2014/main" id="{5F2C398E-1F63-508D-32C9-696F3DCCD861}"/>
               </a:ext>
             </a:extLst>
           </p:cNvPr>
@@ -1597,7 +1597,7 @@
           <p:cNvPr id="4" name="内容占位符 3">
             <a:extLst>
               <a:ext uri="{FF2B5EF4-FFF2-40B4-BE49-F238E27FC236}">
-                <a16:creationId xmlns:a16="http://schemas.microsoft.com/office/drawing/2014/main" id="{D51DBDB5-AE0F-57C6-1054-EE975E32A516}"/>
+                <a16:creationId xmlns:a16="http://schemas.microsoft.com/office/drawing/2014/main" id="{0F3D0AF8-DD14-CF54-26D6-8FD7334E539F}"/>
               </a:ext>
             </a:extLst>
           </p:cNvPr>
@@ -1659,7 +1659,7 @@
           <p:cNvPr id="5" name="文本占位符 4">
             <a:extLst>
               <a:ext uri="{FF2B5EF4-FFF2-40B4-BE49-F238E27FC236}">
-                <a16:creationId xmlns:a16="http://schemas.microsoft.com/office/drawing/2014/main" id="{7613822A-62AB-51C5-B6CA-1B9769010841}"/>
+                <a16:creationId xmlns:a16="http://schemas.microsoft.com/office/drawing/2014/main" id="{FCAB8553-2397-15F8-BE3D-B07F9167FE23}"/>
               </a:ext>
             </a:extLst>
           </p:cNvPr>
@@ -1730,7 +1730,7 @@
           <p:cNvPr id="6" name="内容占位符 5">
             <a:extLst>
               <a:ext uri="{FF2B5EF4-FFF2-40B4-BE49-F238E27FC236}">
-                <a16:creationId xmlns:a16="http://schemas.microsoft.com/office/drawing/2014/main" id="{F09EA7DC-E778-44A8-1D4B-63CA8C6DF0C8}"/>
+                <a16:creationId xmlns:a16="http://schemas.microsoft.com/office/drawing/2014/main" id="{F8B123EA-E16A-D4BC-746C-EB4F0C984A58}"/>
               </a:ext>
             </a:extLst>
           </p:cNvPr>
@@ -1792,7 +1792,7 @@
           <p:cNvPr id="7" name="日期占位符 6">
             <a:extLst>
               <a:ext uri="{FF2B5EF4-FFF2-40B4-BE49-F238E27FC236}">
-                <a16:creationId xmlns:a16="http://schemas.microsoft.com/office/drawing/2014/main" id="{E15C5F97-6909-109A-2D4E-7F40AB28B30F}"/>
+                <a16:creationId xmlns:a16="http://schemas.microsoft.com/office/drawing/2014/main" id="{238337A0-B1E7-7838-8B6A-25172A59B5BF}"/>
               </a:ext>
             </a:extLst>
           </p:cNvPr>
@@ -1808,7 +1808,7 @@
           <a:bodyPr/>
           <a:lstStyle/>
           <a:p>
-            <a:fld id="{D9BEE671-34A8-483A-B482-764D4444C149}" type="datetimeFigureOut">
+            <a:fld id="{C3186CC1-FCCE-4437-944E-0A3F85AB801C}" type="datetimeFigureOut">
               <a:rPr lang="zh-CN" altLang="en-US" smtClean="0"/>
               <a:t>2024/3/10</a:t>
             </a:fld>
@@ -1821,7 +1821,7 @@
           <p:cNvPr id="8" name="页脚占位符 7">
             <a:extLst>
               <a:ext uri="{FF2B5EF4-FFF2-40B4-BE49-F238E27FC236}">
-                <a16:creationId xmlns:a16="http://schemas.microsoft.com/office/drawing/2014/main" id="{FCDDCDA6-B400-0109-DCB6-5C51F886816A}"/>
+                <a16:creationId xmlns:a16="http://schemas.microsoft.com/office/drawing/2014/main" id="{9BEEBB83-2106-1588-EFBD-3F1F6FDA56F1}"/>
               </a:ext>
             </a:extLst>
           </p:cNvPr>
@@ -1846,7 +1846,7 @@
           <p:cNvPr id="9" name="灯片编号占位符 8">
             <a:extLst>
               <a:ext uri="{FF2B5EF4-FFF2-40B4-BE49-F238E27FC236}">
-                <a16:creationId xmlns:a16="http://schemas.microsoft.com/office/drawing/2014/main" id="{76DB1A79-8CB5-6DC4-FC82-22C561DF5AC7}"/>
+                <a16:creationId xmlns:a16="http://schemas.microsoft.com/office/drawing/2014/main" id="{A9248678-559A-547D-EE3C-98582806EA78}"/>
               </a:ext>
             </a:extLst>
           </p:cNvPr>
@@ -1862,7 +1862,7 @@
           <a:bodyPr/>
           <a:lstStyle/>
           <a:p>
-            <a:fld id="{BA9D7CA9-301E-4929-8DB6-411CA3608727}" type="slidenum">
+            <a:fld id="{5985949B-862A-459D-838B-BA32AF73C1DA}" type="slidenum">
               <a:rPr lang="zh-CN" altLang="en-US" smtClean="0"/>
               <a:t>‹#›</a:t>
             </a:fld>
@@ -1873,7 +1873,7 @@
     </p:spTree>
     <p:extLst>
       <p:ext uri="{BB962C8B-B14F-4D97-AF65-F5344CB8AC3E}">
-        <p14:creationId xmlns:p14="http://schemas.microsoft.com/office/powerpoint/2010/main" val="4166035706"/>
+        <p14:creationId xmlns:p14="http://schemas.microsoft.com/office/powerpoint/2010/main" val="3683172381"/>
       </p:ext>
     </p:extLst>
   </p:cSld>
@@ -1905,7 +1905,7 @@
           <p:cNvPr id="2" name="标题 1">
             <a:extLst>
               <a:ext uri="{FF2B5EF4-FFF2-40B4-BE49-F238E27FC236}">
-                <a16:creationId xmlns:a16="http://schemas.microsoft.com/office/drawing/2014/main" id="{3BA7670B-9C08-C344-5DD5-84FAA8C5BD8D}"/>
+                <a16:creationId xmlns:a16="http://schemas.microsoft.com/office/drawing/2014/main" id="{464FADD4-F5FE-D8B2-3DF7-D85F193B5ABB}"/>
               </a:ext>
             </a:extLst>
           </p:cNvPr>
@@ -1933,7 +1933,7 @@
           <p:cNvPr id="3" name="日期占位符 2">
             <a:extLst>
               <a:ext uri="{FF2B5EF4-FFF2-40B4-BE49-F238E27FC236}">
-                <a16:creationId xmlns:a16="http://schemas.microsoft.com/office/drawing/2014/main" id="{9F8B8020-028D-6AB9-A3C4-5F1541AB07F4}"/>
+                <a16:creationId xmlns:a16="http://schemas.microsoft.com/office/drawing/2014/main" id="{9EC3A5BC-4267-A1C2-52BB-E6CD83771340}"/>
               </a:ext>
             </a:extLst>
           </p:cNvPr>
@@ -1949,7 +1949,7 @@
           <a:bodyPr/>
           <a:lstStyle/>
           <a:p>
-            <a:fld id="{D9BEE671-34A8-483A-B482-764D4444C149}" type="datetimeFigureOut">
+            <a:fld id="{C3186CC1-FCCE-4437-944E-0A3F85AB801C}" type="datetimeFigureOut">
               <a:rPr lang="zh-CN" altLang="en-US" smtClean="0"/>
               <a:t>2024/3/10</a:t>
             </a:fld>
@@ -1962,7 +1962,7 @@
           <p:cNvPr id="4" name="页脚占位符 3">
             <a:extLst>
               <a:ext uri="{FF2B5EF4-FFF2-40B4-BE49-F238E27FC236}">
-                <a16:creationId xmlns:a16="http://schemas.microsoft.com/office/drawing/2014/main" id="{C87F5AE2-A7EE-6C9D-B61D-9BADDEE5D7DA}"/>
+                <a16:creationId xmlns:a16="http://schemas.microsoft.com/office/drawing/2014/main" id="{14DF5D87-4270-9D1F-BE6D-7C6822DFF0A7}"/>
               </a:ext>
             </a:extLst>
           </p:cNvPr>
@@ -1987,7 +1987,7 @@
           <p:cNvPr id="5" name="灯片编号占位符 4">
             <a:extLst>
               <a:ext uri="{FF2B5EF4-FFF2-40B4-BE49-F238E27FC236}">
-                <a16:creationId xmlns:a16="http://schemas.microsoft.com/office/drawing/2014/main" id="{D35EADFD-7654-7E4E-0BC4-2A8E44B96E65}"/>
+                <a16:creationId xmlns:a16="http://schemas.microsoft.com/office/drawing/2014/main" id="{8DA29F8E-4681-4B9A-3233-916258091A1B}"/>
               </a:ext>
             </a:extLst>
           </p:cNvPr>
@@ -2003,7 +2003,7 @@
           <a:bodyPr/>
           <a:lstStyle/>
           <a:p>
-            <a:fld id="{BA9D7CA9-301E-4929-8DB6-411CA3608727}" type="slidenum">
+            <a:fld id="{5985949B-862A-459D-838B-BA32AF73C1DA}" type="slidenum">
               <a:rPr lang="zh-CN" altLang="en-US" smtClean="0"/>
               <a:t>‹#›</a:t>
             </a:fld>
@@ -2014,7 +2014,7 @@
     </p:spTree>
     <p:extLst>
       <p:ext uri="{BB962C8B-B14F-4D97-AF65-F5344CB8AC3E}">
-        <p14:creationId xmlns:p14="http://schemas.microsoft.com/office/powerpoint/2010/main" val="2626800316"/>
+        <p14:creationId xmlns:p14="http://schemas.microsoft.com/office/powerpoint/2010/main" val="24472177"/>
       </p:ext>
     </p:extLst>
   </p:cSld>
@@ -2046,7 +2046,7 @@
           <p:cNvPr id="2" name="日期占位符 1">
             <a:extLst>
               <a:ext uri="{FF2B5EF4-FFF2-40B4-BE49-F238E27FC236}">
-                <a16:creationId xmlns:a16="http://schemas.microsoft.com/office/drawing/2014/main" id="{6B0D9D30-2559-BFB0-2EB5-3D48DA6B4EB6}"/>
+                <a16:creationId xmlns:a16="http://schemas.microsoft.com/office/drawing/2014/main" id="{0CF9C673-97A5-7003-7A82-72B280754736}"/>
               </a:ext>
             </a:extLst>
           </p:cNvPr>
@@ -2062,7 +2062,7 @@
           <a:bodyPr/>
           <a:lstStyle/>
           <a:p>
-            <a:fld id="{D9BEE671-34A8-483A-B482-764D4444C149}" type="datetimeFigureOut">
+            <a:fld id="{C3186CC1-FCCE-4437-944E-0A3F85AB801C}" type="datetimeFigureOut">
               <a:rPr lang="zh-CN" altLang="en-US" smtClean="0"/>
               <a:t>2024/3/10</a:t>
             </a:fld>
@@ -2075,7 +2075,7 @@
           <p:cNvPr id="3" name="页脚占位符 2">
             <a:extLst>
               <a:ext uri="{FF2B5EF4-FFF2-40B4-BE49-F238E27FC236}">
-                <a16:creationId xmlns:a16="http://schemas.microsoft.com/office/drawing/2014/main" id="{3DAC7D8B-085F-0045-3FFB-07D04EC0012A}"/>
+                <a16:creationId xmlns:a16="http://schemas.microsoft.com/office/drawing/2014/main" id="{3309E7DC-5572-787D-6204-E06D54708703}"/>
               </a:ext>
             </a:extLst>
           </p:cNvPr>
@@ -2100,7 +2100,7 @@
           <p:cNvPr id="4" name="灯片编号占位符 3">
             <a:extLst>
               <a:ext uri="{FF2B5EF4-FFF2-40B4-BE49-F238E27FC236}">
-                <a16:creationId xmlns:a16="http://schemas.microsoft.com/office/drawing/2014/main" id="{285006C0-4D35-BAAE-B233-BCB2561444A1}"/>
+                <a16:creationId xmlns:a16="http://schemas.microsoft.com/office/drawing/2014/main" id="{5D2FC8A5-BD7C-DE3C-85C7-74B83A74E9AD}"/>
               </a:ext>
             </a:extLst>
           </p:cNvPr>
@@ -2116,7 +2116,7 @@
           <a:bodyPr/>
           <a:lstStyle/>
           <a:p>
-            <a:fld id="{BA9D7CA9-301E-4929-8DB6-411CA3608727}" type="slidenum">
+            <a:fld id="{5985949B-862A-459D-838B-BA32AF73C1DA}" type="slidenum">
               <a:rPr lang="zh-CN" altLang="en-US" smtClean="0"/>
               <a:t>‹#›</a:t>
             </a:fld>
@@ -2127,7 +2127,7 @@
     </p:spTree>
     <p:extLst>
       <p:ext uri="{BB962C8B-B14F-4D97-AF65-F5344CB8AC3E}">
-        <p14:creationId xmlns:p14="http://schemas.microsoft.com/office/powerpoint/2010/main" val="3299454141"/>
+        <p14:creationId xmlns:p14="http://schemas.microsoft.com/office/powerpoint/2010/main" val="498277708"/>
       </p:ext>
     </p:extLst>
   </p:cSld>
@@ -2159,7 +2159,7 @@
           <p:cNvPr id="2" name="标题 1">
             <a:extLst>
               <a:ext uri="{FF2B5EF4-FFF2-40B4-BE49-F238E27FC236}">
-                <a16:creationId xmlns:a16="http://schemas.microsoft.com/office/drawing/2014/main" id="{94BC2F3A-CCA1-03E6-4E89-7140613F9951}"/>
+                <a16:creationId xmlns:a16="http://schemas.microsoft.com/office/drawing/2014/main" id="{2FF03793-B282-DFDB-DD7B-8074126B54FE}"/>
               </a:ext>
             </a:extLst>
           </p:cNvPr>
@@ -2196,7 +2196,7 @@
           <p:cNvPr id="3" name="内容占位符 2">
             <a:extLst>
               <a:ext uri="{FF2B5EF4-FFF2-40B4-BE49-F238E27FC236}">
-                <a16:creationId xmlns:a16="http://schemas.microsoft.com/office/drawing/2014/main" id="{E2970415-5AA7-0978-05E3-D402B554B259}"/>
+                <a16:creationId xmlns:a16="http://schemas.microsoft.com/office/drawing/2014/main" id="{EE081A51-4725-42AE-BFD1-F208E84FCFB8}"/>
               </a:ext>
             </a:extLst>
           </p:cNvPr>
@@ -2286,7 +2286,7 @@
           <p:cNvPr id="4" name="文本占位符 3">
             <a:extLst>
               <a:ext uri="{FF2B5EF4-FFF2-40B4-BE49-F238E27FC236}">
-                <a16:creationId xmlns:a16="http://schemas.microsoft.com/office/drawing/2014/main" id="{EC66377D-6A13-01EE-3C7A-E7DF5DF0679E}"/>
+                <a16:creationId xmlns:a16="http://schemas.microsoft.com/office/drawing/2014/main" id="{58212175-65D7-6E35-A0FA-E94CE73B3398}"/>
               </a:ext>
             </a:extLst>
           </p:cNvPr>
@@ -2357,7 +2357,7 @@
           <p:cNvPr id="5" name="日期占位符 4">
             <a:extLst>
               <a:ext uri="{FF2B5EF4-FFF2-40B4-BE49-F238E27FC236}">
-                <a16:creationId xmlns:a16="http://schemas.microsoft.com/office/drawing/2014/main" id="{E0FBA086-898F-C6F6-D231-65950DD78508}"/>
+                <a16:creationId xmlns:a16="http://schemas.microsoft.com/office/drawing/2014/main" id="{D8CB6C62-F91B-7CA3-F5DF-AFF7C4FD729E}"/>
               </a:ext>
             </a:extLst>
           </p:cNvPr>
@@ -2373,7 +2373,7 @@
           <a:bodyPr/>
           <a:lstStyle/>
           <a:p>
-            <a:fld id="{D9BEE671-34A8-483A-B482-764D4444C149}" type="datetimeFigureOut">
+            <a:fld id="{C3186CC1-FCCE-4437-944E-0A3F85AB801C}" type="datetimeFigureOut">
               <a:rPr lang="zh-CN" altLang="en-US" smtClean="0"/>
               <a:t>2024/3/10</a:t>
             </a:fld>
@@ -2386,7 +2386,7 @@
           <p:cNvPr id="6" name="页脚占位符 5">
             <a:extLst>
               <a:ext uri="{FF2B5EF4-FFF2-40B4-BE49-F238E27FC236}">
-                <a16:creationId xmlns:a16="http://schemas.microsoft.com/office/drawing/2014/main" id="{F7673D3F-3EC0-A10D-D913-BB71E378DE29}"/>
+                <a16:creationId xmlns:a16="http://schemas.microsoft.com/office/drawing/2014/main" id="{BDD76F16-36D4-9C68-8842-FA33037E6658}"/>
               </a:ext>
             </a:extLst>
           </p:cNvPr>
@@ -2411,7 +2411,7 @@
           <p:cNvPr id="7" name="灯片编号占位符 6">
             <a:extLst>
               <a:ext uri="{FF2B5EF4-FFF2-40B4-BE49-F238E27FC236}">
-                <a16:creationId xmlns:a16="http://schemas.microsoft.com/office/drawing/2014/main" id="{B143BA23-D05D-9DB2-3129-05B0DB4BC18D}"/>
+                <a16:creationId xmlns:a16="http://schemas.microsoft.com/office/drawing/2014/main" id="{65DA5352-BBF5-8697-B9C6-C2C6900AADE8}"/>
               </a:ext>
             </a:extLst>
           </p:cNvPr>
@@ -2427,7 +2427,7 @@
           <a:bodyPr/>
           <a:lstStyle/>
           <a:p>
-            <a:fld id="{BA9D7CA9-301E-4929-8DB6-411CA3608727}" type="slidenum">
+            <a:fld id="{5985949B-862A-459D-838B-BA32AF73C1DA}" type="slidenum">
               <a:rPr lang="zh-CN" altLang="en-US" smtClean="0"/>
               <a:t>‹#›</a:t>
             </a:fld>
@@ -2438,7 +2438,7 @@
     </p:spTree>
     <p:extLst>
       <p:ext uri="{BB962C8B-B14F-4D97-AF65-F5344CB8AC3E}">
-        <p14:creationId xmlns:p14="http://schemas.microsoft.com/office/powerpoint/2010/main" val="2585502752"/>
+        <p14:creationId xmlns:p14="http://schemas.microsoft.com/office/powerpoint/2010/main" val="18826657"/>
       </p:ext>
     </p:extLst>
   </p:cSld>
@@ -2470,7 +2470,7 @@
           <p:cNvPr id="2" name="标题 1">
             <a:extLst>
               <a:ext uri="{FF2B5EF4-FFF2-40B4-BE49-F238E27FC236}">
-                <a16:creationId xmlns:a16="http://schemas.microsoft.com/office/drawing/2014/main" id="{4E06B8C9-374C-261A-7D73-04B42A0A9054}"/>
+                <a16:creationId xmlns:a16="http://schemas.microsoft.com/office/drawing/2014/main" id="{0A2998EF-05AF-87EA-7910-164A4EF56764}"/>
               </a:ext>
             </a:extLst>
           </p:cNvPr>
@@ -2507,7 +2507,7 @@
           <p:cNvPr id="3" name="图片占位符 2">
             <a:extLst>
               <a:ext uri="{FF2B5EF4-FFF2-40B4-BE49-F238E27FC236}">
-                <a16:creationId xmlns:a16="http://schemas.microsoft.com/office/drawing/2014/main" id="{1BE9F28C-252B-3D29-E662-BD711B00C84F}"/>
+                <a16:creationId xmlns:a16="http://schemas.microsoft.com/office/drawing/2014/main" id="{0AC259F3-3BEF-96AC-1453-B8596A2A4A07}"/>
               </a:ext>
             </a:extLst>
           </p:cNvPr>
@@ -2574,7 +2574,7 @@
           <p:cNvPr id="4" name="文本占位符 3">
             <a:extLst>
               <a:ext uri="{FF2B5EF4-FFF2-40B4-BE49-F238E27FC236}">
-                <a16:creationId xmlns:a16="http://schemas.microsoft.com/office/drawing/2014/main" id="{452D7CC5-090A-7AAB-BE02-B6D23B4F74D9}"/>
+                <a16:creationId xmlns:a16="http://schemas.microsoft.com/office/drawing/2014/main" id="{4D31EEDB-5361-B21E-9067-434273149D83}"/>
               </a:ext>
             </a:extLst>
           </p:cNvPr>
@@ -2645,7 +2645,7 @@
           <p:cNvPr id="5" name="日期占位符 4">
             <a:extLst>
               <a:ext uri="{FF2B5EF4-FFF2-40B4-BE49-F238E27FC236}">
-                <a16:creationId xmlns:a16="http://schemas.microsoft.com/office/drawing/2014/main" id="{5B1B155A-322F-38C6-77AF-7959EEDA83F6}"/>
+                <a16:creationId xmlns:a16="http://schemas.microsoft.com/office/drawing/2014/main" id="{962991C6-B7B4-C6E7-529E-1F1AAE0306A0}"/>
               </a:ext>
             </a:extLst>
           </p:cNvPr>
@@ -2661,7 +2661,7 @@
           <a:bodyPr/>
           <a:lstStyle/>
           <a:p>
-            <a:fld id="{D9BEE671-34A8-483A-B482-764D4444C149}" type="datetimeFigureOut">
+            <a:fld id="{C3186CC1-FCCE-4437-944E-0A3F85AB801C}" type="datetimeFigureOut">
               <a:rPr lang="zh-CN" altLang="en-US" smtClean="0"/>
               <a:t>2024/3/10</a:t>
             </a:fld>
@@ -2674,7 +2674,7 @@
           <p:cNvPr id="6" name="页脚占位符 5">
             <a:extLst>
               <a:ext uri="{FF2B5EF4-FFF2-40B4-BE49-F238E27FC236}">
-                <a16:creationId xmlns:a16="http://schemas.microsoft.com/office/drawing/2014/main" id="{B0527FFA-40DF-7080-6A76-FEDDF3EDF768}"/>
+                <a16:creationId xmlns:a16="http://schemas.microsoft.com/office/drawing/2014/main" id="{623A5475-C795-F446-78AB-EE35C3F286F9}"/>
               </a:ext>
             </a:extLst>
           </p:cNvPr>
@@ -2699,7 +2699,7 @@
           <p:cNvPr id="7" name="灯片编号占位符 6">
             <a:extLst>
               <a:ext uri="{FF2B5EF4-FFF2-40B4-BE49-F238E27FC236}">
-                <a16:creationId xmlns:a16="http://schemas.microsoft.com/office/drawing/2014/main" id="{47B35276-465D-7F43-DF18-6278D0591882}"/>
+                <a16:creationId xmlns:a16="http://schemas.microsoft.com/office/drawing/2014/main" id="{D38B42EB-9408-ED20-5F1A-8911C8A302C4}"/>
               </a:ext>
             </a:extLst>
           </p:cNvPr>
@@ -2715,7 +2715,7 @@
           <a:bodyPr/>
           <a:lstStyle/>
           <a:p>
-            <a:fld id="{BA9D7CA9-301E-4929-8DB6-411CA3608727}" type="slidenum">
+            <a:fld id="{5985949B-862A-459D-838B-BA32AF73C1DA}" type="slidenum">
               <a:rPr lang="zh-CN" altLang="en-US" smtClean="0"/>
               <a:t>‹#›</a:t>
             </a:fld>
@@ -2726,7 +2726,7 @@
     </p:spTree>
     <p:extLst>
       <p:ext uri="{BB962C8B-B14F-4D97-AF65-F5344CB8AC3E}">
-        <p14:creationId xmlns:p14="http://schemas.microsoft.com/office/powerpoint/2010/main" val="3238451780"/>
+        <p14:creationId xmlns:p14="http://schemas.microsoft.com/office/powerpoint/2010/main" val="4116387359"/>
       </p:ext>
     </p:extLst>
   </p:cSld>
@@ -2763,7 +2763,7 @@
           <p:cNvPr id="2" name="标题占位符 1">
             <a:extLst>
               <a:ext uri="{FF2B5EF4-FFF2-40B4-BE49-F238E27FC236}">
-                <a16:creationId xmlns:a16="http://schemas.microsoft.com/office/drawing/2014/main" id="{DF990B0D-F163-EDE4-B032-C6AC4F4AFC79}"/>
+                <a16:creationId xmlns:a16="http://schemas.microsoft.com/office/drawing/2014/main" id="{F55EA68B-9253-C8EB-A838-4123E69AE088}"/>
               </a:ext>
             </a:extLst>
           </p:cNvPr>
@@ -2801,7 +2801,7 @@
           <p:cNvPr id="3" name="文本占位符 2">
             <a:extLst>
               <a:ext uri="{FF2B5EF4-FFF2-40B4-BE49-F238E27FC236}">
-                <a16:creationId xmlns:a16="http://schemas.microsoft.com/office/drawing/2014/main" id="{D5FBA2F2-2853-942A-842F-7D5642E084FA}"/>
+                <a16:creationId xmlns:a16="http://schemas.microsoft.com/office/drawing/2014/main" id="{4BFF84E4-200D-FD8B-F2A4-DC1D6DAA4EEB}"/>
               </a:ext>
             </a:extLst>
           </p:cNvPr>
@@ -2868,7 +2868,7 @@
           <p:cNvPr id="4" name="日期占位符 3">
             <a:extLst>
               <a:ext uri="{FF2B5EF4-FFF2-40B4-BE49-F238E27FC236}">
-                <a16:creationId xmlns:a16="http://schemas.microsoft.com/office/drawing/2014/main" id="{2C9EC7F2-FB13-9CE8-EB7C-2CA83045799C}"/>
+                <a16:creationId xmlns:a16="http://schemas.microsoft.com/office/drawing/2014/main" id="{05ACE6E3-BB98-1CFC-1025-BC8D87418B53}"/>
               </a:ext>
             </a:extLst>
           </p:cNvPr>
@@ -2902,7 +2902,7 @@
             </a:lvl1pPr>
           </a:lstStyle>
           <a:p>
-            <a:fld id="{D9BEE671-34A8-483A-B482-764D4444C149}" type="datetimeFigureOut">
+            <a:fld id="{C3186CC1-FCCE-4437-944E-0A3F85AB801C}" type="datetimeFigureOut">
               <a:rPr lang="zh-CN" altLang="en-US" smtClean="0"/>
               <a:t>2024/3/10</a:t>
             </a:fld>
@@ -2915,7 +2915,7 @@
           <p:cNvPr id="5" name="页脚占位符 4">
             <a:extLst>
               <a:ext uri="{FF2B5EF4-FFF2-40B4-BE49-F238E27FC236}">
-                <a16:creationId xmlns:a16="http://schemas.microsoft.com/office/drawing/2014/main" id="{67EE1E85-CD95-37F8-8BFE-E7DDD8903118}"/>
+                <a16:creationId xmlns:a16="http://schemas.microsoft.com/office/drawing/2014/main" id="{640A7C6F-093F-2CFF-466A-65611316A453}"/>
               </a:ext>
             </a:extLst>
           </p:cNvPr>
@@ -2958,7 +2958,7 @@
           <p:cNvPr id="6" name="灯片编号占位符 5">
             <a:extLst>
               <a:ext uri="{FF2B5EF4-FFF2-40B4-BE49-F238E27FC236}">
-                <a16:creationId xmlns:a16="http://schemas.microsoft.com/office/drawing/2014/main" id="{3FE9FC8D-2CF5-B285-5C0E-E8178301D4BE}"/>
+                <a16:creationId xmlns:a16="http://schemas.microsoft.com/office/drawing/2014/main" id="{869871FC-CFF9-941C-EF6A-E9434AAF5A8C}"/>
               </a:ext>
             </a:extLst>
           </p:cNvPr>
@@ -2992,7 +2992,7 @@
             </a:lvl1pPr>
           </a:lstStyle>
           <a:p>
-            <a:fld id="{BA9D7CA9-301E-4929-8DB6-411CA3608727}" type="slidenum">
+            <a:fld id="{5985949B-862A-459D-838B-BA32AF73C1DA}" type="slidenum">
               <a:rPr lang="zh-CN" altLang="en-US" smtClean="0"/>
               <a:t>‹#›</a:t>
             </a:fld>
@@ -3003,7 +3003,7 @@
     </p:spTree>
     <p:extLst>
       <p:ext uri="{BB962C8B-B14F-4D97-AF65-F5344CB8AC3E}">
-        <p14:creationId xmlns:p14="http://schemas.microsoft.com/office/powerpoint/2010/main" val="3545043301"/>
+        <p14:creationId xmlns:p14="http://schemas.microsoft.com/office/powerpoint/2010/main" val="3432590234"/>
       </p:ext>
     </p:extLst>
   </p:cSld>
